--- a/slides/GithubActions-WorkflowsInYourRepo.pptx
+++ b/slides/GithubActions-WorkflowsInYourRepo.pptx
@@ -9257,7 +9257,7 @@
                 </a:highlight>
                 <a:latin typeface="Consolas" panose="020B0609020204030204" pitchFamily="49" charset="0"/>
               </a:rPr>
-              <a:t>        app-name: ‘GitHubActionsPCC2021'</a:t>
+              <a:t>        app-name: ‘GitHubActions-devup2022'</a:t>
             </a:r>
           </a:p>
           <a:p>
@@ -10112,7 +10112,7 @@
               <a:rPr lang="en-US" dirty="0">
                 <a:hlinkClick r:id="rId5"/>
               </a:rPr>
-              <a:t>https://lab.github.com/githubtraining/github-actions:-hello-world</a:t>
+              <a:t>https://github.com/skills/hello-github-actions</a:t>
             </a:r>
             <a:endParaRPr lang="en-US" dirty="0"/>
           </a:p>
